--- a/Health-Data-with-Time/Process Health Data with Time.pptx
+++ b/Health-Data-with-Time/Process Health Data with Time.pptx
@@ -7601,23 +7601,7 @@
             </a:pPr>
             <a:r>
               <a:rPr lang="en-US" altLang="zh-CN" sz="2800" dirty="0"/>
-              <a:t>2, Still lack of </a:t>
-            </a:r>
-            <a:r>
-              <a:rPr lang="en-US" altLang="zh-CN" sz="2800" dirty="0" err="1">
-                <a:solidFill>
-                  <a:srgbClr val="00B0F0"/>
-                </a:solidFill>
-              </a:rPr>
-              <a:t>sim</a:t>
-            </a:r>
-            <a:r>
-              <a:rPr lang="en-US" altLang="zh-CN" sz="2800" dirty="0" err="1"/>
-              <a:t>flexibility</a:t>
-            </a:r>
-            <a:r>
-              <a:rPr lang="en-US" altLang="zh-CN" sz="2800" dirty="0"/>
-              <a:t> and user choices</a:t>
+              <a:t>2, Still lack of flexibility and user choices</a:t>
             </a:r>
           </a:p>
           <a:p>
@@ -7626,12 +7610,12 @@
               <a:t>Fulfill the goal of </a:t>
             </a:r>
             <a:r>
-              <a:rPr lang="en-US" altLang="zh-CN" sz="2800" dirty="0" err="1">
+              <a:rPr lang="en-US" altLang="zh-CN" sz="2800" dirty="0">
                 <a:solidFill>
                   <a:srgbClr val="00B0F0"/>
                 </a:solidFill>
               </a:rPr>
-              <a:t>plify</a:t>
+              <a:t>simplify</a:t>
             </a:r>
             <a:r>
               <a:rPr lang="en-US" altLang="zh-CN" sz="2800" dirty="0"/>
